--- a/Сrackers&cookies.pptx
+++ b/Сrackers&cookies.pptx
@@ -10,6 +10,7 @@
     <p:sldId id="258" r:id="rId4"/>
     <p:sldId id="259" r:id="rId5"/>
     <p:sldId id="260" r:id="rId6"/>
+    <p:sldId id="261" r:id="rId7"/>
   </p:sldIdLst>
   <p:sldSz cx="12192000" cy="6858000"/>
   <p:notesSz cx="6858000" cy="9144000"/>
@@ -9824,7 +9825,7 @@
             <a:lstStyle/>
             <a:p>
               <a:pPr algn="ctr"/>
-              <a:endParaRPr lang="ru-RU">
+              <a:endParaRPr lang="ru-RU" dirty="0">
                 <a:solidFill>
                   <a:srgbClr val="A20D0B"/>
                 </a:solidFill>
@@ -9971,10 +9972,1665 @@
           </a:p>
         </p:txBody>
       </p:sp>
+      <p:grpSp>
+        <p:nvGrpSpPr>
+          <p:cNvPr id="45" name="Группа 44"/>
+          <p:cNvGrpSpPr/>
+          <p:nvPr/>
+        </p:nvGrpSpPr>
+        <p:grpSpPr>
+          <a:xfrm>
+            <a:off x="919175" y="1959179"/>
+            <a:ext cx="6485776" cy="4143030"/>
+            <a:chOff x="1991265" y="2782859"/>
+            <a:chExt cx="6049774" cy="3296566"/>
+          </a:xfrm>
+        </p:grpSpPr>
+        <p:sp>
+          <p:nvSpPr>
+            <p:cNvPr id="44" name="Прямоугольник 43"/>
+            <p:cNvSpPr/>
+            <p:nvPr/>
+          </p:nvSpPr>
+          <p:spPr>
+            <a:xfrm>
+              <a:off x="1991265" y="2782859"/>
+              <a:ext cx="6049774" cy="3215835"/>
+            </a:xfrm>
+            <a:prstGeom prst="rect">
+              <a:avLst/>
+            </a:prstGeom>
+            <a:solidFill>
+              <a:srgbClr val="420000"/>
+            </a:solidFill>
+            <a:ln>
+              <a:noFill/>
+            </a:ln>
+          </p:spPr>
+          <p:style>
+            <a:lnRef idx="2">
+              <a:schemeClr val="accent1">
+                <a:shade val="50000"/>
+              </a:schemeClr>
+            </a:lnRef>
+            <a:fillRef idx="1">
+              <a:schemeClr val="accent1"/>
+            </a:fillRef>
+            <a:effectRef idx="0">
+              <a:schemeClr val="accent1"/>
+            </a:effectRef>
+            <a:fontRef idx="minor">
+              <a:schemeClr val="lt1"/>
+            </a:fontRef>
+          </p:style>
+          <p:txBody>
+            <a:bodyPr rtlCol="0" anchor="ctr"/>
+            <a:lstStyle/>
+            <a:p>
+              <a:pPr algn="ctr"/>
+              <a:endParaRPr lang="ru-RU"/>
+            </a:p>
+          </p:txBody>
+        </p:sp>
+        <p:sp>
+          <p:nvSpPr>
+            <p:cNvPr id="41" name="TextBox 40"/>
+            <p:cNvSpPr txBox="1"/>
+            <p:nvPr/>
+          </p:nvSpPr>
+          <p:spPr>
+            <a:xfrm>
+              <a:off x="2011894" y="2822327"/>
+              <a:ext cx="5739826" cy="3257098"/>
+            </a:xfrm>
+            <a:prstGeom prst="rect">
+              <a:avLst/>
+            </a:prstGeom>
+            <a:noFill/>
+          </p:spPr>
+          <p:txBody>
+            <a:bodyPr wrap="square" rtlCol="0">
+              <a:spAutoFit/>
+            </a:bodyPr>
+            <a:lstStyle/>
+            <a:p>
+              <a:r>
+                <a:rPr lang="uk-UA" sz="2000" dirty="0" smtClean="0">
+                  <a:solidFill>
+                    <a:srgbClr val="EC8F56"/>
+                  </a:solidFill>
+                </a:rPr>
+                <a:t>Шахраювати, заряджений і вчений- на перший погляд, дуже просто, але обіграти цю тему за два дні виявилося не так просто. В кінці-кінців ми зійшлися на думці створення гри, де головною метою буде повернути вкрадене назад у шахраїв. Під цю задумку нам ідеально підійшов український вчений Федір </a:t>
+              </a:r>
+              <a:r>
+                <a:rPr lang="uk-UA" sz="2000" dirty="0" err="1" smtClean="0">
+                  <a:solidFill>
+                    <a:srgbClr val="EC8F56"/>
+                  </a:solidFill>
+                </a:rPr>
+                <a:t>Піроцький</a:t>
+              </a:r>
+              <a:r>
+                <a:rPr lang="uk-UA" sz="2000" dirty="0">
+                  <a:solidFill>
+                    <a:srgbClr val="EC8F56"/>
+                  </a:solidFill>
+                </a:rPr>
+                <a:t> </a:t>
+              </a:r>
+              <a:r>
+                <a:rPr lang="uk-UA" sz="2000" dirty="0" smtClean="0">
+                  <a:solidFill>
+                    <a:srgbClr val="EC8F56"/>
+                  </a:solidFill>
+                </a:rPr>
+                <a:t>і його творіння- </a:t>
+              </a:r>
+              <a:r>
+                <a:rPr lang="uk-UA" sz="2000" dirty="0">
+                  <a:solidFill>
+                    <a:srgbClr val="EC8F56"/>
+                  </a:solidFill>
+                </a:rPr>
+                <a:t>е</a:t>
+              </a:r>
+              <a:r>
+                <a:rPr lang="uk-UA" sz="2000" dirty="0" smtClean="0">
+                  <a:solidFill>
+                    <a:srgbClr val="EC8F56"/>
+                  </a:solidFill>
+                </a:rPr>
+                <a:t>лектричний трамвай. Зацікавило нас те, що Федір Аполлонович лише розробив креслення, а перший трамвай таки сконструювали німецькі інженери. Саме цю частинку історії ми вирішили розкрити по-іншому з краплинками фантазії. Давайте розглянемо детальніше</a:t>
+              </a:r>
+              <a:endParaRPr lang="ru-RU" sz="2000" dirty="0">
+                <a:solidFill>
+                  <a:srgbClr val="EC8F56"/>
+                </a:solidFill>
+              </a:endParaRPr>
+            </a:p>
+          </p:txBody>
+        </p:sp>
+      </p:grpSp>
+      <p:grpSp>
+        <p:nvGrpSpPr>
+          <p:cNvPr id="48" name="Группа 47"/>
+          <p:cNvGrpSpPr/>
+          <p:nvPr/>
+        </p:nvGrpSpPr>
+        <p:grpSpPr>
+          <a:xfrm>
+            <a:off x="7638327" y="2144740"/>
+            <a:ext cx="4248880" cy="3357473"/>
+            <a:chOff x="7728016" y="2529811"/>
+            <a:chExt cx="4248880" cy="3357473"/>
+          </a:xfrm>
+        </p:grpSpPr>
+        <p:sp>
+          <p:nvSpPr>
+            <p:cNvPr id="47" name="Прямоугольник 46"/>
+            <p:cNvSpPr/>
+            <p:nvPr/>
+          </p:nvSpPr>
+          <p:spPr>
+            <a:xfrm>
+              <a:off x="7728016" y="2529811"/>
+              <a:ext cx="4248880" cy="3357473"/>
+            </a:xfrm>
+            <a:prstGeom prst="rect">
+              <a:avLst/>
+            </a:prstGeom>
+            <a:solidFill>
+              <a:srgbClr val="420000"/>
+            </a:solidFill>
+            <a:ln>
+              <a:noFill/>
+            </a:ln>
+          </p:spPr>
+          <p:style>
+            <a:lnRef idx="2">
+              <a:schemeClr val="accent1">
+                <a:shade val="50000"/>
+              </a:schemeClr>
+            </a:lnRef>
+            <a:fillRef idx="1">
+              <a:schemeClr val="accent1"/>
+            </a:fillRef>
+            <a:effectRef idx="0">
+              <a:schemeClr val="accent1"/>
+            </a:effectRef>
+            <a:fontRef idx="minor">
+              <a:schemeClr val="lt1"/>
+            </a:fontRef>
+          </p:style>
+          <p:txBody>
+            <a:bodyPr rtlCol="0" anchor="ctr"/>
+            <a:lstStyle/>
+            <a:p>
+              <a:pPr algn="ctr"/>
+              <a:endParaRPr lang="ru-RU"/>
+            </a:p>
+          </p:txBody>
+        </p:sp>
+        <p:pic>
+          <p:nvPicPr>
+            <p:cNvPr id="46" name="Рисунок 45"/>
+            <p:cNvPicPr>
+              <a:picLocks noChangeAspect="1"/>
+            </p:cNvPicPr>
+            <p:nvPr/>
+          </p:nvPicPr>
+          <p:blipFill>
+            <a:blip r:embed="rId3">
+              <a:extLst>
+                <a:ext uri="{28A0092B-C50C-407E-A947-70E740481C1C}">
+                  <a14:useLocalDpi xmlns:a14="http://schemas.microsoft.com/office/drawing/2010/main" val="0"/>
+                </a:ext>
+              </a:extLst>
+            </a:blip>
+            <a:stretch>
+              <a:fillRect/>
+            </a:stretch>
+          </p:blipFill>
+          <p:spPr>
+            <a:xfrm>
+              <a:off x="7860531" y="2705667"/>
+              <a:ext cx="3983850" cy="2957599"/>
+            </a:xfrm>
+            <a:prstGeom prst="rect">
+              <a:avLst/>
+            </a:prstGeom>
+          </p:spPr>
+        </p:pic>
+      </p:grpSp>
     </p:spTree>
     <p:extLst>
       <p:ext uri="{BB962C8B-B14F-4D97-AF65-F5344CB8AC3E}">
         <p14:creationId xmlns:p14="http://schemas.microsoft.com/office/powerpoint/2010/main" val="2200312492"/>
+      </p:ext>
+    </p:extLst>
+  </p:cSld>
+  <p:clrMapOvr>
+    <a:masterClrMapping/>
+  </p:clrMapOvr>
+  <p:transition spd="slow">
+    <p:cover/>
+  </p:transition>
+  <p:timing>
+    <p:tnLst>
+      <p:par>
+        <p:cTn id="1" dur="indefinite" restart="never" nodeType="tmRoot"/>
+      </p:par>
+    </p:tnLst>
+  </p:timing>
+</p:sld>
+</file>
+
+<file path=ppt/slides/slide6.xml><?xml version="1.0" encoding="utf-8"?>
+<p:sld xmlns:a="http://schemas.openxmlformats.org/drawingml/2006/main" xmlns:r="http://schemas.openxmlformats.org/officeDocument/2006/relationships" xmlns:p="http://schemas.openxmlformats.org/presentationml/2006/main">
+  <p:cSld>
+    <p:bg>
+      <p:bgPr>
+        <a:solidFill>
+          <a:srgbClr val="BA1612"/>
+        </a:solidFill>
+        <a:effectLst/>
+      </p:bgPr>
+    </p:bg>
+    <p:spTree>
+      <p:nvGrpSpPr>
+        <p:cNvPr id="1" name=""/>
+        <p:cNvGrpSpPr/>
+        <p:nvPr/>
+      </p:nvGrpSpPr>
+      <p:grpSpPr>
+        <a:xfrm>
+          <a:off x="0" y="0"/>
+          <a:ext cx="0" cy="0"/>
+          <a:chOff x="0" y="0"/>
+          <a:chExt cx="0" cy="0"/>
+        </a:xfrm>
+      </p:grpSpPr>
+      <p:grpSp>
+        <p:nvGrpSpPr>
+          <p:cNvPr id="5" name="Группа 4"/>
+          <p:cNvGrpSpPr/>
+          <p:nvPr/>
+        </p:nvGrpSpPr>
+        <p:grpSpPr>
+          <a:xfrm>
+            <a:off x="9301038" y="162585"/>
+            <a:ext cx="2655501" cy="2636088"/>
+            <a:chOff x="8967156" y="163186"/>
+            <a:chExt cx="2655501" cy="2636088"/>
+          </a:xfrm>
+          <a:solidFill>
+            <a:srgbClr val="AC3510"/>
+          </a:solidFill>
+        </p:grpSpPr>
+        <p:sp>
+          <p:nvSpPr>
+            <p:cNvPr id="6" name="Овал 5"/>
+            <p:cNvSpPr/>
+            <p:nvPr/>
+          </p:nvSpPr>
+          <p:spPr>
+            <a:xfrm>
+              <a:off x="9687464" y="498895"/>
+              <a:ext cx="1457864" cy="1337094"/>
+            </a:xfrm>
+            <a:prstGeom prst="ellipse">
+              <a:avLst/>
+            </a:prstGeom>
+            <a:grpFill/>
+            <a:ln>
+              <a:noFill/>
+            </a:ln>
+          </p:spPr>
+          <p:style>
+            <a:lnRef idx="2">
+              <a:schemeClr val="accent1">
+                <a:shade val="50000"/>
+              </a:schemeClr>
+            </a:lnRef>
+            <a:fillRef idx="1">
+              <a:schemeClr val="accent1"/>
+            </a:fillRef>
+            <a:effectRef idx="0">
+              <a:schemeClr val="accent1"/>
+            </a:effectRef>
+            <a:fontRef idx="minor">
+              <a:schemeClr val="lt1"/>
+            </a:fontRef>
+          </p:style>
+          <p:txBody>
+            <a:bodyPr rtlCol="0" anchor="ctr"/>
+            <a:lstStyle/>
+            <a:p>
+              <a:pPr algn="ctr"/>
+              <a:endParaRPr lang="ru-RU"/>
+            </a:p>
+          </p:txBody>
+        </p:sp>
+        <p:sp>
+          <p:nvSpPr>
+            <p:cNvPr id="7" name="Овал 6"/>
+            <p:cNvSpPr/>
+            <p:nvPr/>
+          </p:nvSpPr>
+          <p:spPr>
+            <a:xfrm>
+              <a:off x="8967156" y="163186"/>
+              <a:ext cx="1066801" cy="1023668"/>
+            </a:xfrm>
+            <a:prstGeom prst="ellipse">
+              <a:avLst/>
+            </a:prstGeom>
+            <a:solidFill>
+              <a:srgbClr val="7E0000"/>
+            </a:solidFill>
+            <a:ln>
+              <a:noFill/>
+            </a:ln>
+          </p:spPr>
+          <p:style>
+            <a:lnRef idx="2">
+              <a:schemeClr val="accent1">
+                <a:shade val="50000"/>
+              </a:schemeClr>
+            </a:lnRef>
+            <a:fillRef idx="1">
+              <a:schemeClr val="accent1"/>
+            </a:fillRef>
+            <a:effectRef idx="0">
+              <a:schemeClr val="accent1"/>
+            </a:effectRef>
+            <a:fontRef idx="minor">
+              <a:schemeClr val="lt1"/>
+            </a:fontRef>
+          </p:style>
+          <p:txBody>
+            <a:bodyPr rtlCol="0" anchor="ctr"/>
+            <a:lstStyle/>
+            <a:p>
+              <a:pPr algn="ctr"/>
+              <a:endParaRPr lang="ru-RU"/>
+            </a:p>
+          </p:txBody>
+        </p:sp>
+        <p:sp>
+          <p:nvSpPr>
+            <p:cNvPr id="8" name="Овал 7"/>
+            <p:cNvSpPr/>
+            <p:nvPr/>
+          </p:nvSpPr>
+          <p:spPr>
+            <a:xfrm>
+              <a:off x="10435446" y="1974014"/>
+              <a:ext cx="876300" cy="825260"/>
+            </a:xfrm>
+            <a:prstGeom prst="ellipse">
+              <a:avLst/>
+            </a:prstGeom>
+            <a:solidFill>
+              <a:srgbClr val="420000"/>
+            </a:solidFill>
+            <a:ln>
+              <a:noFill/>
+            </a:ln>
+          </p:spPr>
+          <p:style>
+            <a:lnRef idx="2">
+              <a:schemeClr val="accent1">
+                <a:shade val="50000"/>
+              </a:schemeClr>
+            </a:lnRef>
+            <a:fillRef idx="1">
+              <a:schemeClr val="accent1"/>
+            </a:fillRef>
+            <a:effectRef idx="0">
+              <a:schemeClr val="accent1"/>
+            </a:effectRef>
+            <a:fontRef idx="minor">
+              <a:schemeClr val="lt1"/>
+            </a:fontRef>
+          </p:style>
+          <p:txBody>
+            <a:bodyPr rtlCol="0" anchor="ctr"/>
+            <a:lstStyle/>
+            <a:p>
+              <a:pPr algn="ctr"/>
+              <a:endParaRPr lang="ru-RU"/>
+            </a:p>
+          </p:txBody>
+        </p:sp>
+        <p:sp>
+          <p:nvSpPr>
+            <p:cNvPr id="9" name="Овал 8"/>
+            <p:cNvSpPr/>
+            <p:nvPr/>
+          </p:nvSpPr>
+          <p:spPr>
+            <a:xfrm>
+              <a:off x="9261891" y="1685028"/>
+              <a:ext cx="477329" cy="439947"/>
+            </a:xfrm>
+            <a:prstGeom prst="ellipse">
+              <a:avLst/>
+            </a:prstGeom>
+            <a:solidFill>
+              <a:srgbClr val="A20D0B"/>
+            </a:solidFill>
+            <a:ln>
+              <a:noFill/>
+            </a:ln>
+          </p:spPr>
+          <p:style>
+            <a:lnRef idx="2">
+              <a:schemeClr val="accent1">
+                <a:shade val="50000"/>
+              </a:schemeClr>
+            </a:lnRef>
+            <a:fillRef idx="1">
+              <a:schemeClr val="accent1"/>
+            </a:fillRef>
+            <a:effectRef idx="0">
+              <a:schemeClr val="accent1"/>
+            </a:effectRef>
+            <a:fontRef idx="minor">
+              <a:schemeClr val="lt1"/>
+            </a:fontRef>
+          </p:style>
+          <p:txBody>
+            <a:bodyPr rtlCol="0" anchor="ctr"/>
+            <a:lstStyle/>
+            <a:p>
+              <a:pPr algn="ctr"/>
+              <a:endParaRPr lang="ru-RU"/>
+            </a:p>
+          </p:txBody>
+        </p:sp>
+        <p:sp>
+          <p:nvSpPr>
+            <p:cNvPr id="10" name="Овал 9"/>
+            <p:cNvSpPr/>
+            <p:nvPr/>
+          </p:nvSpPr>
+          <p:spPr>
+            <a:xfrm>
+              <a:off x="11145328" y="235073"/>
+              <a:ext cx="477329" cy="439947"/>
+            </a:xfrm>
+            <a:prstGeom prst="ellipse">
+              <a:avLst/>
+            </a:prstGeom>
+            <a:solidFill>
+              <a:srgbClr val="7E0000"/>
+            </a:solidFill>
+            <a:ln>
+              <a:noFill/>
+            </a:ln>
+          </p:spPr>
+          <p:style>
+            <a:lnRef idx="2">
+              <a:schemeClr val="accent1">
+                <a:shade val="50000"/>
+              </a:schemeClr>
+            </a:lnRef>
+            <a:fillRef idx="1">
+              <a:schemeClr val="accent1"/>
+            </a:fillRef>
+            <a:effectRef idx="0">
+              <a:schemeClr val="accent1"/>
+            </a:effectRef>
+            <a:fontRef idx="minor">
+              <a:schemeClr val="lt1"/>
+            </a:fontRef>
+          </p:style>
+          <p:txBody>
+            <a:bodyPr rtlCol="0" anchor="ctr"/>
+            <a:lstStyle/>
+            <a:p>
+              <a:pPr algn="ctr"/>
+              <a:endParaRPr lang="ru-RU"/>
+            </a:p>
+          </p:txBody>
+        </p:sp>
+        <p:sp>
+          <p:nvSpPr>
+            <p:cNvPr id="11" name="Овал 10"/>
+            <p:cNvSpPr/>
+            <p:nvPr/>
+          </p:nvSpPr>
+          <p:spPr>
+            <a:xfrm>
+              <a:off x="9838424" y="344342"/>
+              <a:ext cx="477329" cy="439947"/>
+            </a:xfrm>
+            <a:prstGeom prst="ellipse">
+              <a:avLst/>
+            </a:prstGeom>
+            <a:solidFill>
+              <a:srgbClr val="A20D0B"/>
+            </a:solidFill>
+            <a:ln>
+              <a:noFill/>
+            </a:ln>
+          </p:spPr>
+          <p:style>
+            <a:lnRef idx="2">
+              <a:schemeClr val="accent1">
+                <a:shade val="50000"/>
+              </a:schemeClr>
+            </a:lnRef>
+            <a:fillRef idx="1">
+              <a:schemeClr val="accent1"/>
+            </a:fillRef>
+            <a:effectRef idx="0">
+              <a:schemeClr val="accent1"/>
+            </a:effectRef>
+            <a:fontRef idx="minor">
+              <a:schemeClr val="lt1"/>
+            </a:fontRef>
+          </p:style>
+          <p:txBody>
+            <a:bodyPr rtlCol="0" anchor="ctr"/>
+            <a:lstStyle/>
+            <a:p>
+              <a:pPr algn="ctr"/>
+              <a:endParaRPr lang="ru-RU"/>
+            </a:p>
+          </p:txBody>
+        </p:sp>
+      </p:grpSp>
+      <p:grpSp>
+        <p:nvGrpSpPr>
+          <p:cNvPr id="19" name="Группа 18"/>
+          <p:cNvGrpSpPr/>
+          <p:nvPr/>
+        </p:nvGrpSpPr>
+        <p:grpSpPr>
+          <a:xfrm>
+            <a:off x="0" y="4312127"/>
+            <a:ext cx="2894163" cy="2403173"/>
+            <a:chOff x="173965" y="3982529"/>
+            <a:chExt cx="2894163" cy="2403173"/>
+          </a:xfrm>
+          <a:solidFill>
+            <a:srgbClr val="7E0000"/>
+          </a:solidFill>
+        </p:grpSpPr>
+        <p:sp>
+          <p:nvSpPr>
+            <p:cNvPr id="20" name="Овал 19"/>
+            <p:cNvSpPr/>
+            <p:nvPr/>
+          </p:nvSpPr>
+          <p:spPr>
+            <a:xfrm>
+              <a:off x="1610264" y="3982529"/>
+              <a:ext cx="1457864" cy="1337094"/>
+            </a:xfrm>
+            <a:prstGeom prst="ellipse">
+              <a:avLst/>
+            </a:prstGeom>
+            <a:solidFill>
+              <a:srgbClr val="A20D0B"/>
+            </a:solidFill>
+            <a:ln>
+              <a:noFill/>
+            </a:ln>
+          </p:spPr>
+          <p:style>
+            <a:lnRef idx="2">
+              <a:schemeClr val="accent1">
+                <a:shade val="50000"/>
+              </a:schemeClr>
+            </a:lnRef>
+            <a:fillRef idx="1">
+              <a:schemeClr val="accent1"/>
+            </a:fillRef>
+            <a:effectRef idx="0">
+              <a:schemeClr val="accent1"/>
+            </a:effectRef>
+            <a:fontRef idx="minor">
+              <a:schemeClr val="lt1"/>
+            </a:fontRef>
+          </p:style>
+          <p:txBody>
+            <a:bodyPr rtlCol="0" anchor="ctr"/>
+            <a:lstStyle/>
+            <a:p>
+              <a:pPr algn="ctr"/>
+              <a:endParaRPr lang="ru-RU"/>
+            </a:p>
+          </p:txBody>
+        </p:sp>
+        <p:sp>
+          <p:nvSpPr>
+            <p:cNvPr id="21" name="Овал 20"/>
+            <p:cNvSpPr/>
+            <p:nvPr/>
+          </p:nvSpPr>
+          <p:spPr>
+            <a:xfrm>
+              <a:off x="859764" y="4367842"/>
+              <a:ext cx="1066801" cy="1023668"/>
+            </a:xfrm>
+            <a:prstGeom prst="ellipse">
+              <a:avLst/>
+            </a:prstGeom>
+            <a:grpFill/>
+            <a:ln>
+              <a:noFill/>
+            </a:ln>
+          </p:spPr>
+          <p:style>
+            <a:lnRef idx="2">
+              <a:schemeClr val="accent1">
+                <a:shade val="50000"/>
+              </a:schemeClr>
+            </a:lnRef>
+            <a:fillRef idx="1">
+              <a:schemeClr val="accent1"/>
+            </a:fillRef>
+            <a:effectRef idx="0">
+              <a:schemeClr val="accent1"/>
+            </a:effectRef>
+            <a:fontRef idx="minor">
+              <a:schemeClr val="lt1"/>
+            </a:fontRef>
+          </p:style>
+          <p:txBody>
+            <a:bodyPr rtlCol="0" anchor="ctr"/>
+            <a:lstStyle/>
+            <a:p>
+              <a:pPr algn="ctr"/>
+              <a:endParaRPr lang="ru-RU"/>
+            </a:p>
+          </p:txBody>
+        </p:sp>
+        <p:sp>
+          <p:nvSpPr>
+            <p:cNvPr id="22" name="Овал 21"/>
+            <p:cNvSpPr/>
+            <p:nvPr/>
+          </p:nvSpPr>
+          <p:spPr>
+            <a:xfrm>
+              <a:off x="1901046" y="5560442"/>
+              <a:ext cx="876300" cy="825260"/>
+            </a:xfrm>
+            <a:prstGeom prst="ellipse">
+              <a:avLst/>
+            </a:prstGeom>
+            <a:grpFill/>
+            <a:ln>
+              <a:noFill/>
+            </a:ln>
+          </p:spPr>
+          <p:style>
+            <a:lnRef idx="2">
+              <a:schemeClr val="accent1">
+                <a:shade val="50000"/>
+              </a:schemeClr>
+            </a:lnRef>
+            <a:fillRef idx="1">
+              <a:schemeClr val="accent1"/>
+            </a:fillRef>
+            <a:effectRef idx="0">
+              <a:schemeClr val="accent1"/>
+            </a:effectRef>
+            <a:fontRef idx="minor">
+              <a:schemeClr val="lt1"/>
+            </a:fontRef>
+          </p:style>
+          <p:txBody>
+            <a:bodyPr rtlCol="0" anchor="ctr"/>
+            <a:lstStyle/>
+            <a:p>
+              <a:pPr algn="ctr"/>
+              <a:endParaRPr lang="ru-RU"/>
+            </a:p>
+          </p:txBody>
+        </p:sp>
+        <p:sp>
+          <p:nvSpPr>
+            <p:cNvPr id="23" name="Овал 22"/>
+            <p:cNvSpPr/>
+            <p:nvPr/>
+          </p:nvSpPr>
+          <p:spPr>
+            <a:xfrm>
+              <a:off x="1155938" y="5671150"/>
+              <a:ext cx="477329" cy="439947"/>
+            </a:xfrm>
+            <a:prstGeom prst="ellipse">
+              <a:avLst/>
+            </a:prstGeom>
+            <a:solidFill>
+              <a:srgbClr val="420000"/>
+            </a:solidFill>
+            <a:ln>
+              <a:noFill/>
+            </a:ln>
+          </p:spPr>
+          <p:style>
+            <a:lnRef idx="2">
+              <a:schemeClr val="accent1">
+                <a:shade val="50000"/>
+              </a:schemeClr>
+            </a:lnRef>
+            <a:fillRef idx="1">
+              <a:schemeClr val="accent1"/>
+            </a:fillRef>
+            <a:effectRef idx="0">
+              <a:schemeClr val="accent1"/>
+            </a:effectRef>
+            <a:fontRef idx="minor">
+              <a:schemeClr val="lt1"/>
+            </a:fontRef>
+          </p:style>
+          <p:txBody>
+            <a:bodyPr rtlCol="0" anchor="ctr"/>
+            <a:lstStyle/>
+            <a:p>
+              <a:pPr algn="ctr"/>
+              <a:endParaRPr lang="ru-RU"/>
+            </a:p>
+          </p:txBody>
+        </p:sp>
+        <p:sp>
+          <p:nvSpPr>
+            <p:cNvPr id="24" name="Овал 23"/>
+            <p:cNvSpPr/>
+            <p:nvPr/>
+          </p:nvSpPr>
+          <p:spPr>
+            <a:xfrm>
+              <a:off x="1417964" y="4088202"/>
+              <a:ext cx="477329" cy="439947"/>
+            </a:xfrm>
+            <a:prstGeom prst="ellipse">
+              <a:avLst/>
+            </a:prstGeom>
+            <a:grpFill/>
+            <a:ln>
+              <a:noFill/>
+            </a:ln>
+          </p:spPr>
+          <p:style>
+            <a:lnRef idx="2">
+              <a:schemeClr val="accent1">
+                <a:shade val="50000"/>
+              </a:schemeClr>
+            </a:lnRef>
+            <a:fillRef idx="1">
+              <a:schemeClr val="accent1"/>
+            </a:fillRef>
+            <a:effectRef idx="0">
+              <a:schemeClr val="accent1"/>
+            </a:effectRef>
+            <a:fontRef idx="minor">
+              <a:schemeClr val="lt1"/>
+            </a:fontRef>
+          </p:style>
+          <p:txBody>
+            <a:bodyPr rtlCol="0" anchor="ctr"/>
+            <a:lstStyle/>
+            <a:p>
+              <a:pPr algn="ctr"/>
+              <a:endParaRPr lang="ru-RU"/>
+            </a:p>
+          </p:txBody>
+        </p:sp>
+        <p:sp>
+          <p:nvSpPr>
+            <p:cNvPr id="25" name="Овал 24"/>
+            <p:cNvSpPr/>
+            <p:nvPr/>
+          </p:nvSpPr>
+          <p:spPr>
+            <a:xfrm>
+              <a:off x="173965" y="4431102"/>
+              <a:ext cx="477329" cy="439947"/>
+            </a:xfrm>
+            <a:prstGeom prst="ellipse">
+              <a:avLst/>
+            </a:prstGeom>
+            <a:solidFill>
+              <a:srgbClr val="A20D0B"/>
+            </a:solidFill>
+            <a:ln>
+              <a:noFill/>
+            </a:ln>
+          </p:spPr>
+          <p:style>
+            <a:lnRef idx="2">
+              <a:schemeClr val="accent1">
+                <a:shade val="50000"/>
+              </a:schemeClr>
+            </a:lnRef>
+            <a:fillRef idx="1">
+              <a:schemeClr val="accent1"/>
+            </a:fillRef>
+            <a:effectRef idx="0">
+              <a:schemeClr val="accent1"/>
+            </a:effectRef>
+            <a:fontRef idx="minor">
+              <a:schemeClr val="lt1"/>
+            </a:fontRef>
+          </p:style>
+          <p:txBody>
+            <a:bodyPr rtlCol="0" anchor="ctr"/>
+            <a:lstStyle/>
+            <a:p>
+              <a:pPr algn="ctr"/>
+              <a:endParaRPr lang="ru-RU"/>
+            </a:p>
+          </p:txBody>
+        </p:sp>
+      </p:grpSp>
+      <p:grpSp>
+        <p:nvGrpSpPr>
+          <p:cNvPr id="26" name="Группа 25"/>
+          <p:cNvGrpSpPr/>
+          <p:nvPr/>
+        </p:nvGrpSpPr>
+        <p:grpSpPr>
+          <a:xfrm>
+            <a:off x="8971794" y="4637773"/>
+            <a:ext cx="3143251" cy="1967540"/>
+            <a:chOff x="8745742" y="4651077"/>
+            <a:chExt cx="3143251" cy="1967540"/>
+          </a:xfrm>
+          <a:solidFill>
+            <a:srgbClr val="BC2E16"/>
+          </a:solidFill>
+        </p:grpSpPr>
+        <p:sp>
+          <p:nvSpPr>
+            <p:cNvPr id="27" name="Овал 26"/>
+            <p:cNvSpPr/>
+            <p:nvPr/>
+          </p:nvSpPr>
+          <p:spPr>
+            <a:xfrm>
+              <a:off x="9074987" y="4651077"/>
+              <a:ext cx="1457864" cy="1337094"/>
+            </a:xfrm>
+            <a:prstGeom prst="ellipse">
+              <a:avLst/>
+            </a:prstGeom>
+            <a:grpFill/>
+            <a:ln>
+              <a:noFill/>
+            </a:ln>
+          </p:spPr>
+          <p:style>
+            <a:lnRef idx="2">
+              <a:schemeClr val="accent1">
+                <a:shade val="50000"/>
+              </a:schemeClr>
+            </a:lnRef>
+            <a:fillRef idx="1">
+              <a:schemeClr val="accent1"/>
+            </a:fillRef>
+            <a:effectRef idx="0">
+              <a:schemeClr val="accent1"/>
+            </a:effectRef>
+            <a:fontRef idx="minor">
+              <a:schemeClr val="lt1"/>
+            </a:fontRef>
+          </p:style>
+          <p:txBody>
+            <a:bodyPr rtlCol="0" anchor="ctr"/>
+            <a:lstStyle/>
+            <a:p>
+              <a:pPr algn="ctr"/>
+              <a:endParaRPr lang="ru-RU"/>
+            </a:p>
+          </p:txBody>
+        </p:sp>
+        <p:sp>
+          <p:nvSpPr>
+            <p:cNvPr id="28" name="Овал 27"/>
+            <p:cNvSpPr/>
+            <p:nvPr/>
+          </p:nvSpPr>
+          <p:spPr>
+            <a:xfrm>
+              <a:off x="8745742" y="5506529"/>
+              <a:ext cx="1066801" cy="1023668"/>
+            </a:xfrm>
+            <a:prstGeom prst="ellipse">
+              <a:avLst/>
+            </a:prstGeom>
+            <a:solidFill>
+              <a:srgbClr val="A20D0B"/>
+            </a:solidFill>
+            <a:ln>
+              <a:noFill/>
+            </a:ln>
+          </p:spPr>
+          <p:style>
+            <a:lnRef idx="2">
+              <a:schemeClr val="accent1">
+                <a:shade val="50000"/>
+              </a:schemeClr>
+            </a:lnRef>
+            <a:fillRef idx="1">
+              <a:schemeClr val="accent1"/>
+            </a:fillRef>
+            <a:effectRef idx="0">
+              <a:schemeClr val="accent1"/>
+            </a:effectRef>
+            <a:fontRef idx="minor">
+              <a:schemeClr val="lt1"/>
+            </a:fontRef>
+          </p:style>
+          <p:txBody>
+            <a:bodyPr rtlCol="0" anchor="ctr"/>
+            <a:lstStyle/>
+            <a:p>
+              <a:pPr algn="ctr"/>
+              <a:endParaRPr lang="ru-RU"/>
+            </a:p>
+          </p:txBody>
+        </p:sp>
+        <p:sp>
+          <p:nvSpPr>
+            <p:cNvPr id="29" name="Овал 28"/>
+            <p:cNvSpPr/>
+            <p:nvPr/>
+          </p:nvSpPr>
+          <p:spPr>
+            <a:xfrm>
+              <a:off x="10690285" y="5671150"/>
+              <a:ext cx="876300" cy="825260"/>
+            </a:xfrm>
+            <a:prstGeom prst="ellipse">
+              <a:avLst/>
+            </a:prstGeom>
+            <a:solidFill>
+              <a:srgbClr val="7E0000"/>
+            </a:solidFill>
+            <a:ln>
+              <a:noFill/>
+            </a:ln>
+          </p:spPr>
+          <p:style>
+            <a:lnRef idx="2">
+              <a:schemeClr val="accent1">
+                <a:shade val="50000"/>
+              </a:schemeClr>
+            </a:lnRef>
+            <a:fillRef idx="1">
+              <a:schemeClr val="accent1"/>
+            </a:fillRef>
+            <a:effectRef idx="0">
+              <a:schemeClr val="accent1"/>
+            </a:effectRef>
+            <a:fontRef idx="minor">
+              <a:schemeClr val="lt1"/>
+            </a:fontRef>
+          </p:style>
+          <p:txBody>
+            <a:bodyPr rtlCol="0" anchor="ctr"/>
+            <a:lstStyle/>
+            <a:p>
+              <a:pPr algn="ctr"/>
+              <a:endParaRPr lang="ru-RU"/>
+            </a:p>
+          </p:txBody>
+        </p:sp>
+        <p:sp>
+          <p:nvSpPr>
+            <p:cNvPr id="30" name="Овал 29"/>
+            <p:cNvSpPr/>
+            <p:nvPr/>
+          </p:nvSpPr>
+          <p:spPr>
+            <a:xfrm>
+              <a:off x="11411664" y="5184476"/>
+              <a:ext cx="477329" cy="439947"/>
+            </a:xfrm>
+            <a:prstGeom prst="ellipse">
+              <a:avLst/>
+            </a:prstGeom>
+            <a:solidFill>
+              <a:srgbClr val="A20D0B"/>
+            </a:solidFill>
+            <a:ln>
+              <a:noFill/>
+            </a:ln>
+          </p:spPr>
+          <p:style>
+            <a:lnRef idx="2">
+              <a:schemeClr val="accent1">
+                <a:shade val="50000"/>
+              </a:schemeClr>
+            </a:lnRef>
+            <a:fillRef idx="1">
+              <a:schemeClr val="accent1"/>
+            </a:fillRef>
+            <a:effectRef idx="0">
+              <a:schemeClr val="accent1"/>
+            </a:effectRef>
+            <a:fontRef idx="minor">
+              <a:schemeClr val="lt1"/>
+            </a:fontRef>
+          </p:style>
+          <p:txBody>
+            <a:bodyPr rtlCol="0" anchor="ctr"/>
+            <a:lstStyle/>
+            <a:p>
+              <a:pPr algn="ctr"/>
+              <a:endParaRPr lang="ru-RU"/>
+            </a:p>
+          </p:txBody>
+        </p:sp>
+        <p:sp>
+          <p:nvSpPr>
+            <p:cNvPr id="31" name="Овал 30"/>
+            <p:cNvSpPr/>
+            <p:nvPr/>
+          </p:nvSpPr>
+          <p:spPr>
+            <a:xfrm>
+              <a:off x="8836322" y="5319623"/>
+              <a:ext cx="477329" cy="439947"/>
+            </a:xfrm>
+            <a:prstGeom prst="ellipse">
+              <a:avLst/>
+            </a:prstGeom>
+            <a:solidFill>
+              <a:srgbClr val="7E0000"/>
+            </a:solidFill>
+            <a:ln>
+              <a:noFill/>
+            </a:ln>
+          </p:spPr>
+          <p:style>
+            <a:lnRef idx="2">
+              <a:schemeClr val="accent1">
+                <a:shade val="50000"/>
+              </a:schemeClr>
+            </a:lnRef>
+            <a:fillRef idx="1">
+              <a:schemeClr val="accent1"/>
+            </a:fillRef>
+            <a:effectRef idx="0">
+              <a:schemeClr val="accent1"/>
+            </a:effectRef>
+            <a:fontRef idx="minor">
+              <a:schemeClr val="lt1"/>
+            </a:fontRef>
+          </p:style>
+          <p:txBody>
+            <a:bodyPr rtlCol="0" anchor="ctr"/>
+            <a:lstStyle/>
+            <a:p>
+              <a:pPr algn="ctr"/>
+              <a:endParaRPr lang="ru-RU"/>
+            </a:p>
+          </p:txBody>
+        </p:sp>
+        <p:sp>
+          <p:nvSpPr>
+            <p:cNvPr id="32" name="Овал 31"/>
+            <p:cNvSpPr/>
+            <p:nvPr/>
+          </p:nvSpPr>
+          <p:spPr>
+            <a:xfrm>
+              <a:off x="9969977" y="6178670"/>
+              <a:ext cx="477329" cy="439947"/>
+            </a:xfrm>
+            <a:prstGeom prst="ellipse">
+              <a:avLst/>
+            </a:prstGeom>
+            <a:solidFill>
+              <a:srgbClr val="420000"/>
+            </a:solidFill>
+            <a:ln>
+              <a:noFill/>
+            </a:ln>
+          </p:spPr>
+          <p:style>
+            <a:lnRef idx="2">
+              <a:schemeClr val="accent1">
+                <a:shade val="50000"/>
+              </a:schemeClr>
+            </a:lnRef>
+            <a:fillRef idx="1">
+              <a:schemeClr val="accent1"/>
+            </a:fillRef>
+            <a:effectRef idx="0">
+              <a:schemeClr val="accent1"/>
+            </a:effectRef>
+            <a:fontRef idx="minor">
+              <a:schemeClr val="lt1"/>
+            </a:fontRef>
+          </p:style>
+          <p:txBody>
+            <a:bodyPr rtlCol="0" anchor="ctr"/>
+            <a:lstStyle/>
+            <a:p>
+              <a:pPr algn="ctr"/>
+              <a:endParaRPr lang="ru-RU"/>
+            </a:p>
+          </p:txBody>
+        </p:sp>
+      </p:grpSp>
+      <p:grpSp>
+        <p:nvGrpSpPr>
+          <p:cNvPr id="12" name="Группа 11"/>
+          <p:cNvGrpSpPr/>
+          <p:nvPr/>
+        </p:nvGrpSpPr>
+        <p:grpSpPr>
+          <a:xfrm>
+            <a:off x="128105" y="0"/>
+            <a:ext cx="2637526" cy="2604456"/>
+            <a:chOff x="158870" y="197693"/>
+            <a:chExt cx="2637526" cy="2604456"/>
+          </a:xfrm>
+        </p:grpSpPr>
+        <p:sp>
+          <p:nvSpPr>
+            <p:cNvPr id="13" name="Овал 12"/>
+            <p:cNvSpPr/>
+            <p:nvPr/>
+          </p:nvSpPr>
+          <p:spPr>
+            <a:xfrm>
+              <a:off x="1035170" y="862642"/>
+              <a:ext cx="1457864" cy="1337094"/>
+            </a:xfrm>
+            <a:prstGeom prst="ellipse">
+              <a:avLst/>
+            </a:prstGeom>
+            <a:solidFill>
+              <a:srgbClr val="A20D0B"/>
+            </a:solidFill>
+            <a:ln>
+              <a:noFill/>
+            </a:ln>
+          </p:spPr>
+          <p:style>
+            <a:lnRef idx="2">
+              <a:schemeClr val="accent1">
+                <a:shade val="50000"/>
+              </a:schemeClr>
+            </a:lnRef>
+            <a:fillRef idx="1">
+              <a:schemeClr val="accent1"/>
+            </a:fillRef>
+            <a:effectRef idx="0">
+              <a:schemeClr val="accent1"/>
+            </a:effectRef>
+            <a:fontRef idx="minor">
+              <a:schemeClr val="lt1"/>
+            </a:fontRef>
+          </p:style>
+          <p:txBody>
+            <a:bodyPr rtlCol="0" anchor="ctr"/>
+            <a:lstStyle/>
+            <a:p>
+              <a:pPr algn="ctr"/>
+              <a:endParaRPr lang="ru-RU">
+                <a:solidFill>
+                  <a:srgbClr val="A20D0B"/>
+                </a:solidFill>
+              </a:endParaRPr>
+            </a:p>
+          </p:txBody>
+        </p:sp>
+        <p:sp>
+          <p:nvSpPr>
+            <p:cNvPr id="14" name="Овал 13">
+              <a:hlinkHover r:id="rId2" action="ppaction://hlinksldjump"/>
+            </p:cNvPr>
+            <p:cNvSpPr/>
+            <p:nvPr/>
+          </p:nvSpPr>
+          <p:spPr>
+            <a:xfrm>
+              <a:off x="158870" y="371659"/>
+              <a:ext cx="876300" cy="825260"/>
+            </a:xfrm>
+            <a:prstGeom prst="ellipse">
+              <a:avLst/>
+            </a:prstGeom>
+            <a:solidFill>
+              <a:srgbClr val="7E0000"/>
+            </a:solidFill>
+            <a:ln>
+              <a:noFill/>
+            </a:ln>
+          </p:spPr>
+          <p:style>
+            <a:lnRef idx="2">
+              <a:schemeClr val="accent1">
+                <a:shade val="50000"/>
+              </a:schemeClr>
+            </a:lnRef>
+            <a:fillRef idx="1">
+              <a:schemeClr val="accent1"/>
+            </a:fillRef>
+            <a:effectRef idx="0">
+              <a:schemeClr val="accent1"/>
+            </a:effectRef>
+            <a:fontRef idx="minor">
+              <a:schemeClr val="lt1"/>
+            </a:fontRef>
+          </p:style>
+          <p:txBody>
+            <a:bodyPr rtlCol="0" anchor="ctr"/>
+            <a:lstStyle/>
+            <a:p>
+              <a:pPr algn="ctr"/>
+              <a:endParaRPr lang="ru-RU">
+                <a:solidFill>
+                  <a:srgbClr val="A20D0B"/>
+                </a:solidFill>
+              </a:endParaRPr>
+            </a:p>
+          </p:txBody>
+        </p:sp>
+        <p:sp>
+          <p:nvSpPr>
+            <p:cNvPr id="15" name="Овал 14"/>
+            <p:cNvSpPr/>
+            <p:nvPr/>
+          </p:nvSpPr>
+          <p:spPr>
+            <a:xfrm>
+              <a:off x="1662381" y="197693"/>
+              <a:ext cx="477329" cy="439947"/>
+            </a:xfrm>
+            <a:prstGeom prst="ellipse">
+              <a:avLst/>
+            </a:prstGeom>
+            <a:solidFill>
+              <a:srgbClr val="420000"/>
+            </a:solidFill>
+            <a:ln>
+              <a:noFill/>
+            </a:ln>
+          </p:spPr>
+          <p:style>
+            <a:lnRef idx="2">
+              <a:schemeClr val="accent1">
+                <a:shade val="50000"/>
+              </a:schemeClr>
+            </a:lnRef>
+            <a:fillRef idx="1">
+              <a:schemeClr val="accent1"/>
+            </a:fillRef>
+            <a:effectRef idx="0">
+              <a:schemeClr val="accent1"/>
+            </a:effectRef>
+            <a:fontRef idx="minor">
+              <a:schemeClr val="lt1"/>
+            </a:fontRef>
+          </p:style>
+          <p:txBody>
+            <a:bodyPr rtlCol="0" anchor="ctr"/>
+            <a:lstStyle/>
+            <a:p>
+              <a:pPr algn="ctr"/>
+              <a:endParaRPr lang="ru-RU">
+                <a:solidFill>
+                  <a:srgbClr val="A20D0B"/>
+                </a:solidFill>
+              </a:endParaRPr>
+            </a:p>
+          </p:txBody>
+        </p:sp>
+        <p:sp>
+          <p:nvSpPr>
+            <p:cNvPr id="16" name="Овал 15"/>
+            <p:cNvSpPr/>
+            <p:nvPr/>
+          </p:nvSpPr>
+          <p:spPr>
+            <a:xfrm>
+              <a:off x="1729595" y="1778481"/>
+              <a:ext cx="1066801" cy="1023668"/>
+            </a:xfrm>
+            <a:prstGeom prst="ellipse">
+              <a:avLst/>
+            </a:prstGeom>
+            <a:solidFill>
+              <a:srgbClr val="AC3510"/>
+            </a:solidFill>
+            <a:ln>
+              <a:noFill/>
+            </a:ln>
+          </p:spPr>
+          <p:style>
+            <a:lnRef idx="2">
+              <a:schemeClr val="accent1">
+                <a:shade val="50000"/>
+              </a:schemeClr>
+            </a:lnRef>
+            <a:fillRef idx="1">
+              <a:schemeClr val="accent1"/>
+            </a:fillRef>
+            <a:effectRef idx="0">
+              <a:schemeClr val="accent1"/>
+            </a:effectRef>
+            <a:fontRef idx="minor">
+              <a:schemeClr val="lt1"/>
+            </a:fontRef>
+          </p:style>
+          <p:txBody>
+            <a:bodyPr rtlCol="0" anchor="ctr"/>
+            <a:lstStyle/>
+            <a:p>
+              <a:pPr algn="ctr"/>
+              <a:endParaRPr lang="ru-RU" dirty="0">
+                <a:solidFill>
+                  <a:srgbClr val="A20D0B"/>
+                </a:solidFill>
+              </a:endParaRPr>
+            </a:p>
+          </p:txBody>
+        </p:sp>
+        <p:sp>
+          <p:nvSpPr>
+            <p:cNvPr id="17" name="Овал 16"/>
+            <p:cNvSpPr/>
+            <p:nvPr/>
+          </p:nvSpPr>
+          <p:spPr>
+            <a:xfrm>
+              <a:off x="540587" y="2342433"/>
+              <a:ext cx="477329" cy="439947"/>
+            </a:xfrm>
+            <a:prstGeom prst="ellipse">
+              <a:avLst/>
+            </a:prstGeom>
+            <a:solidFill>
+              <a:srgbClr val="7E0000"/>
+            </a:solidFill>
+            <a:ln>
+              <a:noFill/>
+            </a:ln>
+          </p:spPr>
+          <p:style>
+            <a:lnRef idx="2">
+              <a:schemeClr val="accent1">
+                <a:shade val="50000"/>
+              </a:schemeClr>
+            </a:lnRef>
+            <a:fillRef idx="1">
+              <a:schemeClr val="accent1"/>
+            </a:fillRef>
+            <a:effectRef idx="0">
+              <a:schemeClr val="accent1"/>
+            </a:effectRef>
+            <a:fontRef idx="minor">
+              <a:schemeClr val="lt1"/>
+            </a:fontRef>
+          </p:style>
+          <p:txBody>
+            <a:bodyPr rtlCol="0" anchor="ctr"/>
+            <a:lstStyle/>
+            <a:p>
+              <a:pPr algn="ctr"/>
+              <a:endParaRPr lang="ru-RU">
+                <a:solidFill>
+                  <a:srgbClr val="A20D0B"/>
+                </a:solidFill>
+              </a:endParaRPr>
+            </a:p>
+          </p:txBody>
+        </p:sp>
+        <p:sp>
+          <p:nvSpPr>
+            <p:cNvPr id="18" name="Овал 17"/>
+            <p:cNvSpPr/>
+            <p:nvPr/>
+          </p:nvSpPr>
+          <p:spPr>
+            <a:xfrm>
+              <a:off x="2285639" y="1531189"/>
+              <a:ext cx="477329" cy="439947"/>
+            </a:xfrm>
+            <a:prstGeom prst="ellipse">
+              <a:avLst/>
+            </a:prstGeom>
+            <a:solidFill>
+              <a:srgbClr val="7E0000"/>
+            </a:solidFill>
+            <a:ln>
+              <a:noFill/>
+            </a:ln>
+          </p:spPr>
+          <p:style>
+            <a:lnRef idx="2">
+              <a:schemeClr val="accent1">
+                <a:shade val="50000"/>
+              </a:schemeClr>
+            </a:lnRef>
+            <a:fillRef idx="1">
+              <a:schemeClr val="accent1"/>
+            </a:fillRef>
+            <a:effectRef idx="0">
+              <a:schemeClr val="accent1"/>
+            </a:effectRef>
+            <a:fontRef idx="minor">
+              <a:schemeClr val="lt1"/>
+            </a:fontRef>
+          </p:style>
+          <p:txBody>
+            <a:bodyPr rtlCol="0" anchor="ctr"/>
+            <a:lstStyle/>
+            <a:p>
+              <a:pPr algn="ctr"/>
+              <a:endParaRPr lang="ru-RU">
+                <a:solidFill>
+                  <a:srgbClr val="A20D0B"/>
+                </a:solidFill>
+              </a:endParaRPr>
+            </a:p>
+          </p:txBody>
+        </p:sp>
+      </p:grpSp>
+      <p:sp>
+        <p:nvSpPr>
+          <p:cNvPr id="2" name="TextBox 1"/>
+          <p:cNvSpPr txBox="1"/>
+          <p:nvPr/>
+        </p:nvSpPr>
+        <p:spPr>
+          <a:xfrm>
+            <a:off x="2498865" y="234472"/>
+            <a:ext cx="7040838" cy="1323439"/>
+          </a:xfrm>
+          <a:prstGeom prst="rect">
+            <a:avLst/>
+          </a:prstGeom>
+          <a:noFill/>
+        </p:spPr>
+        <p:txBody>
+          <a:bodyPr wrap="none" rtlCol="0">
+            <a:spAutoFit/>
+          </a:bodyPr>
+          <a:lstStyle/>
+          <a:p>
+            <a:r>
+              <a:rPr lang="uk-UA" sz="8000" spc="600" dirty="0" smtClean="0">
+                <a:solidFill>
+                  <a:srgbClr val="EC8F56"/>
+                </a:solidFill>
+              </a:rPr>
+              <a:t>КОНЦЕПТ ГРИ</a:t>
+            </a:r>
+            <a:endParaRPr lang="ru-RU" sz="8000" spc="600" dirty="0">
+              <a:solidFill>
+                <a:srgbClr val="EC8F56"/>
+              </a:solidFill>
+            </a:endParaRPr>
+          </a:p>
+        </p:txBody>
+      </p:sp>
+      <p:grpSp>
+        <p:nvGrpSpPr>
+          <p:cNvPr id="45" name="Группа 44"/>
+          <p:cNvGrpSpPr/>
+          <p:nvPr/>
+        </p:nvGrpSpPr>
+        <p:grpSpPr>
+          <a:xfrm>
+            <a:off x="919175" y="1959179"/>
+            <a:ext cx="4156169" cy="4143030"/>
+            <a:chOff x="1991265" y="2782859"/>
+            <a:chExt cx="3876773" cy="3296566"/>
+          </a:xfrm>
+        </p:grpSpPr>
+        <p:sp>
+          <p:nvSpPr>
+            <p:cNvPr id="44" name="Прямоугольник 43"/>
+            <p:cNvSpPr/>
+            <p:nvPr/>
+          </p:nvSpPr>
+          <p:spPr>
+            <a:xfrm>
+              <a:off x="1991265" y="2782859"/>
+              <a:ext cx="3876773" cy="3296566"/>
+            </a:xfrm>
+            <a:prstGeom prst="rect">
+              <a:avLst/>
+            </a:prstGeom>
+            <a:solidFill>
+              <a:srgbClr val="420000"/>
+            </a:solidFill>
+            <a:ln>
+              <a:noFill/>
+            </a:ln>
+          </p:spPr>
+          <p:style>
+            <a:lnRef idx="2">
+              <a:schemeClr val="accent1">
+                <a:shade val="50000"/>
+              </a:schemeClr>
+            </a:lnRef>
+            <a:fillRef idx="1">
+              <a:schemeClr val="accent1"/>
+            </a:fillRef>
+            <a:effectRef idx="0">
+              <a:schemeClr val="accent1"/>
+            </a:effectRef>
+            <a:fontRef idx="minor">
+              <a:schemeClr val="lt1"/>
+            </a:fontRef>
+          </p:style>
+          <p:txBody>
+            <a:bodyPr rtlCol="0" anchor="ctr"/>
+            <a:lstStyle/>
+            <a:p>
+              <a:pPr algn="ctr"/>
+              <a:endParaRPr lang="ru-RU"/>
+            </a:p>
+          </p:txBody>
+        </p:sp>
+        <p:sp>
+          <p:nvSpPr>
+            <p:cNvPr id="41" name="TextBox 40"/>
+            <p:cNvSpPr txBox="1"/>
+            <p:nvPr/>
+          </p:nvSpPr>
+          <p:spPr>
+            <a:xfrm>
+              <a:off x="2011894" y="2822327"/>
+              <a:ext cx="3677291" cy="3257098"/>
+            </a:xfrm>
+            <a:prstGeom prst="rect">
+              <a:avLst/>
+            </a:prstGeom>
+            <a:noFill/>
+          </p:spPr>
+          <p:txBody>
+            <a:bodyPr wrap="square" rtlCol="0">
+              <a:spAutoFit/>
+            </a:bodyPr>
+            <a:lstStyle/>
+            <a:p>
+              <a:r>
+                <a:rPr lang="uk-UA" sz="2000" dirty="0" smtClean="0">
+                  <a:solidFill>
+                    <a:srgbClr val="EC8F56"/>
+                  </a:solidFill>
+                </a:rPr>
+                <a:t>Отже, що ми придумали: «Щойно стало відомо, що шахраї заволоділи неопублікованими кресленнями Федора </a:t>
+              </a:r>
+              <a:r>
+                <a:rPr lang="uk-UA" sz="2000" dirty="0" err="1" smtClean="0">
+                  <a:solidFill>
+                    <a:srgbClr val="EC8F56"/>
+                  </a:solidFill>
+                </a:rPr>
+                <a:t>Піроцького</a:t>
+              </a:r>
+              <a:r>
+                <a:rPr lang="uk-UA" sz="2000" dirty="0" smtClean="0">
+                  <a:solidFill>
+                    <a:srgbClr val="EC8F56"/>
+                  </a:solidFill>
+                </a:rPr>
+                <a:t>. Креслення містять революційні розробки електричного військового трамваю. Твоя задача повернути вкрадені креслення. Щоб підкреслити нашу віру в тебе- передаємо тобі єдиний прототип трамваю, побудованого за цими </a:t>
+              </a:r>
+              <a:r>
+                <a:rPr lang="uk-UA" sz="2000" dirty="0" err="1" smtClean="0">
+                  <a:solidFill>
+                    <a:srgbClr val="EC8F56"/>
+                  </a:solidFill>
+                </a:rPr>
+                <a:t>кресленнямию</a:t>
+              </a:r>
+              <a:r>
+                <a:rPr lang="uk-UA" sz="2000" dirty="0" smtClean="0">
+                  <a:solidFill>
+                    <a:srgbClr val="EC8F56"/>
+                  </a:solidFill>
+                </a:rPr>
+                <a:t> Удачі!»</a:t>
+              </a:r>
+            </a:p>
+            <a:p>
+              <a:pPr algn="r"/>
+              <a:r>
+                <a:rPr lang="uk-UA" sz="2000" i="1" dirty="0">
+                  <a:solidFill>
+                    <a:srgbClr val="EC8F56"/>
+                  </a:solidFill>
+                </a:rPr>
+                <a:t>Р</a:t>
+              </a:r>
+              <a:r>
+                <a:rPr lang="uk-UA" sz="2000" i="1" dirty="0" smtClean="0">
+                  <a:solidFill>
+                    <a:srgbClr val="EC8F56"/>
+                  </a:solidFill>
+                </a:rPr>
+                <a:t>озповідь на початку гри</a:t>
+              </a:r>
+              <a:endParaRPr lang="ru-RU" sz="2000" i="1" dirty="0">
+                <a:solidFill>
+                  <a:srgbClr val="EC8F56"/>
+                </a:solidFill>
+              </a:endParaRPr>
+            </a:p>
+          </p:txBody>
+        </p:sp>
+      </p:grpSp>
+    </p:spTree>
+    <p:extLst>
+      <p:ext uri="{BB962C8B-B14F-4D97-AF65-F5344CB8AC3E}">
+        <p14:creationId xmlns:p14="http://schemas.microsoft.com/office/powerpoint/2010/main" val="1126856654"/>
       </p:ext>
     </p:extLst>
   </p:cSld>
